--- a/ppt 16-9/0223.神圣夜.pptx
+++ b/ppt 16-9/0223.神圣夜.pptx
@@ -129,7 +129,7 @@
           <p:cNvPr id="2" name="标题 1">
             <a:extLst>
               <a:ext uri="{FF2B5EF4-FFF2-40B4-BE49-F238E27FC236}">
-                <a16:creationId xmlns:a16="http://schemas.microsoft.com/office/drawing/2014/main" id="{BAF27D2A-808A-6E7D-3F06-F0CD6F6F5ADF}"/>
+                <a16:creationId xmlns:a16="http://schemas.microsoft.com/office/drawing/2014/main" id="{E52FDF88-FA0B-CDC0-A75E-6B9517EB8B6F}"/>
               </a:ext>
             </a:extLst>
           </p:cNvPr>
@@ -166,7 +166,7 @@
           <p:cNvPr id="3" name="副标题 2">
             <a:extLst>
               <a:ext uri="{FF2B5EF4-FFF2-40B4-BE49-F238E27FC236}">
-                <a16:creationId xmlns:a16="http://schemas.microsoft.com/office/drawing/2014/main" id="{D7E3A3B4-E4DD-0198-B9E2-76B4D5E8DCD9}"/>
+                <a16:creationId xmlns:a16="http://schemas.microsoft.com/office/drawing/2014/main" id="{1FE9B331-7141-CC3A-FB3D-8A02C7E4F9F7}"/>
               </a:ext>
             </a:extLst>
           </p:cNvPr>
@@ -236,7 +236,7 @@
           <p:cNvPr id="4" name="日期占位符 3">
             <a:extLst>
               <a:ext uri="{FF2B5EF4-FFF2-40B4-BE49-F238E27FC236}">
-                <a16:creationId xmlns:a16="http://schemas.microsoft.com/office/drawing/2014/main" id="{DE2207DD-220B-59B7-C2BA-701F085472D9}"/>
+                <a16:creationId xmlns:a16="http://schemas.microsoft.com/office/drawing/2014/main" id="{38731E38-F58F-2F4C-378C-FFFCDCAC2C88}"/>
               </a:ext>
             </a:extLst>
           </p:cNvPr>
@@ -252,7 +252,7 @@
           <a:bodyPr/>
           <a:lstStyle/>
           <a:p>
-            <a:fld id="{3D982F92-818D-48AC-9A90-3276221F23E5}" type="datetimeFigureOut">
+            <a:fld id="{2B0B1DBD-CD81-4F94-9E4F-0C1163BE002C}" type="datetimeFigureOut">
               <a:rPr lang="zh-CN" altLang="en-US" smtClean="0"/>
               <a:t>2024/3/10</a:t>
             </a:fld>
@@ -265,7 +265,7 @@
           <p:cNvPr id="5" name="页脚占位符 4">
             <a:extLst>
               <a:ext uri="{FF2B5EF4-FFF2-40B4-BE49-F238E27FC236}">
-                <a16:creationId xmlns:a16="http://schemas.microsoft.com/office/drawing/2014/main" id="{9B3F1C45-FB06-C07D-F629-AA45561521B4}"/>
+                <a16:creationId xmlns:a16="http://schemas.microsoft.com/office/drawing/2014/main" id="{3FF50CA6-BCE8-DD26-F8EE-61B9C2EF770A}"/>
               </a:ext>
             </a:extLst>
           </p:cNvPr>
@@ -290,7 +290,7 @@
           <p:cNvPr id="6" name="灯片编号占位符 5">
             <a:extLst>
               <a:ext uri="{FF2B5EF4-FFF2-40B4-BE49-F238E27FC236}">
-                <a16:creationId xmlns:a16="http://schemas.microsoft.com/office/drawing/2014/main" id="{BC8CE964-B20E-674F-2187-3CFD800E4B33}"/>
+                <a16:creationId xmlns:a16="http://schemas.microsoft.com/office/drawing/2014/main" id="{62C62918-6FBC-7028-3919-E8C5AA2D9744}"/>
               </a:ext>
             </a:extLst>
           </p:cNvPr>
@@ -306,7 +306,7 @@
           <a:bodyPr/>
           <a:lstStyle/>
           <a:p>
-            <a:fld id="{92E40044-E8B1-4E55-8CE1-38DDD8063529}" type="slidenum">
+            <a:fld id="{5FB30C00-1FEC-4A08-81AE-D8A6AE403A11}" type="slidenum">
               <a:rPr lang="zh-CN" altLang="en-US" smtClean="0"/>
               <a:t>‹#›</a:t>
             </a:fld>
@@ -317,7 +317,7 @@
     </p:spTree>
     <p:extLst>
       <p:ext uri="{BB962C8B-B14F-4D97-AF65-F5344CB8AC3E}">
-        <p14:creationId xmlns:p14="http://schemas.microsoft.com/office/powerpoint/2010/main" val="936972577"/>
+        <p14:creationId xmlns:p14="http://schemas.microsoft.com/office/powerpoint/2010/main" val="3330019496"/>
       </p:ext>
     </p:extLst>
   </p:cSld>
@@ -349,7 +349,7 @@
           <p:cNvPr id="2" name="标题 1">
             <a:extLst>
               <a:ext uri="{FF2B5EF4-FFF2-40B4-BE49-F238E27FC236}">
-                <a16:creationId xmlns:a16="http://schemas.microsoft.com/office/drawing/2014/main" id="{6AC7F792-A597-835F-73D9-BB0B128C5B0C}"/>
+                <a16:creationId xmlns:a16="http://schemas.microsoft.com/office/drawing/2014/main" id="{09771708-519F-CA2F-181B-8212F90ED2BA}"/>
               </a:ext>
             </a:extLst>
           </p:cNvPr>
@@ -377,7 +377,7 @@
           <p:cNvPr id="3" name="竖排文字占位符 2">
             <a:extLst>
               <a:ext uri="{FF2B5EF4-FFF2-40B4-BE49-F238E27FC236}">
-                <a16:creationId xmlns:a16="http://schemas.microsoft.com/office/drawing/2014/main" id="{BBF97721-6472-25A6-246A-8A2C1A5FA6A9}"/>
+                <a16:creationId xmlns:a16="http://schemas.microsoft.com/office/drawing/2014/main" id="{02F94C81-F037-F7C1-CE55-AA0950707D44}"/>
               </a:ext>
             </a:extLst>
           </p:cNvPr>
@@ -434,7 +434,7 @@
           <p:cNvPr id="4" name="日期占位符 3">
             <a:extLst>
               <a:ext uri="{FF2B5EF4-FFF2-40B4-BE49-F238E27FC236}">
-                <a16:creationId xmlns:a16="http://schemas.microsoft.com/office/drawing/2014/main" id="{F511E05F-A01A-8B11-9321-74E45AA8CBCB}"/>
+                <a16:creationId xmlns:a16="http://schemas.microsoft.com/office/drawing/2014/main" id="{6F68235B-2683-7172-14FC-EC14E9F6CDD6}"/>
               </a:ext>
             </a:extLst>
           </p:cNvPr>
@@ -450,7 +450,7 @@
           <a:bodyPr/>
           <a:lstStyle/>
           <a:p>
-            <a:fld id="{3D982F92-818D-48AC-9A90-3276221F23E5}" type="datetimeFigureOut">
+            <a:fld id="{2B0B1DBD-CD81-4F94-9E4F-0C1163BE002C}" type="datetimeFigureOut">
               <a:rPr lang="zh-CN" altLang="en-US" smtClean="0"/>
               <a:t>2024/3/10</a:t>
             </a:fld>
@@ -463,7 +463,7 @@
           <p:cNvPr id="5" name="页脚占位符 4">
             <a:extLst>
               <a:ext uri="{FF2B5EF4-FFF2-40B4-BE49-F238E27FC236}">
-                <a16:creationId xmlns:a16="http://schemas.microsoft.com/office/drawing/2014/main" id="{E2401677-A914-5C33-4D6F-D25A13C7D312}"/>
+                <a16:creationId xmlns:a16="http://schemas.microsoft.com/office/drawing/2014/main" id="{4DED76FC-2D55-6A4F-9370-190431182366}"/>
               </a:ext>
             </a:extLst>
           </p:cNvPr>
@@ -488,7 +488,7 @@
           <p:cNvPr id="6" name="灯片编号占位符 5">
             <a:extLst>
               <a:ext uri="{FF2B5EF4-FFF2-40B4-BE49-F238E27FC236}">
-                <a16:creationId xmlns:a16="http://schemas.microsoft.com/office/drawing/2014/main" id="{70E79609-3D85-736E-8EA2-7650BC05AC95}"/>
+                <a16:creationId xmlns:a16="http://schemas.microsoft.com/office/drawing/2014/main" id="{E0F4A3B2-BE1E-DF88-0F94-05D7456D5617}"/>
               </a:ext>
             </a:extLst>
           </p:cNvPr>
@@ -504,7 +504,7 @@
           <a:bodyPr/>
           <a:lstStyle/>
           <a:p>
-            <a:fld id="{92E40044-E8B1-4E55-8CE1-38DDD8063529}" type="slidenum">
+            <a:fld id="{5FB30C00-1FEC-4A08-81AE-D8A6AE403A11}" type="slidenum">
               <a:rPr lang="zh-CN" altLang="en-US" smtClean="0"/>
               <a:t>‹#›</a:t>
             </a:fld>
@@ -515,7 +515,7 @@
     </p:spTree>
     <p:extLst>
       <p:ext uri="{BB962C8B-B14F-4D97-AF65-F5344CB8AC3E}">
-        <p14:creationId xmlns:p14="http://schemas.microsoft.com/office/powerpoint/2010/main" val="1400509537"/>
+        <p14:creationId xmlns:p14="http://schemas.microsoft.com/office/powerpoint/2010/main" val="2791472702"/>
       </p:ext>
     </p:extLst>
   </p:cSld>
@@ -547,7 +547,7 @@
           <p:cNvPr id="2" name="竖排标题 1">
             <a:extLst>
               <a:ext uri="{FF2B5EF4-FFF2-40B4-BE49-F238E27FC236}">
-                <a16:creationId xmlns:a16="http://schemas.microsoft.com/office/drawing/2014/main" id="{DD7E7ACF-56E9-6457-EB88-37BF743B117F}"/>
+                <a16:creationId xmlns:a16="http://schemas.microsoft.com/office/drawing/2014/main" id="{DCFFA954-C698-B614-9737-CB091CA0D40B}"/>
               </a:ext>
             </a:extLst>
           </p:cNvPr>
@@ -580,7 +580,7 @@
           <p:cNvPr id="3" name="竖排文字占位符 2">
             <a:extLst>
               <a:ext uri="{FF2B5EF4-FFF2-40B4-BE49-F238E27FC236}">
-                <a16:creationId xmlns:a16="http://schemas.microsoft.com/office/drawing/2014/main" id="{C0E8AE25-A1CC-D987-E8B3-7DAD2B41EF4D}"/>
+                <a16:creationId xmlns:a16="http://schemas.microsoft.com/office/drawing/2014/main" id="{E576AABE-EC3C-3558-0BD3-324849ED1655}"/>
               </a:ext>
             </a:extLst>
           </p:cNvPr>
@@ -642,7 +642,7 @@
           <p:cNvPr id="4" name="日期占位符 3">
             <a:extLst>
               <a:ext uri="{FF2B5EF4-FFF2-40B4-BE49-F238E27FC236}">
-                <a16:creationId xmlns:a16="http://schemas.microsoft.com/office/drawing/2014/main" id="{0DB7F460-7475-6D0E-60E7-482199AFA866}"/>
+                <a16:creationId xmlns:a16="http://schemas.microsoft.com/office/drawing/2014/main" id="{6DB5824B-2B3C-81B8-4BC4-49B7A0B6DAAA}"/>
               </a:ext>
             </a:extLst>
           </p:cNvPr>
@@ -658,7 +658,7 @@
           <a:bodyPr/>
           <a:lstStyle/>
           <a:p>
-            <a:fld id="{3D982F92-818D-48AC-9A90-3276221F23E5}" type="datetimeFigureOut">
+            <a:fld id="{2B0B1DBD-CD81-4F94-9E4F-0C1163BE002C}" type="datetimeFigureOut">
               <a:rPr lang="zh-CN" altLang="en-US" smtClean="0"/>
               <a:t>2024/3/10</a:t>
             </a:fld>
@@ -671,7 +671,7 @@
           <p:cNvPr id="5" name="页脚占位符 4">
             <a:extLst>
               <a:ext uri="{FF2B5EF4-FFF2-40B4-BE49-F238E27FC236}">
-                <a16:creationId xmlns:a16="http://schemas.microsoft.com/office/drawing/2014/main" id="{12094D49-EBC2-E89D-19B2-FC06E9077AE1}"/>
+                <a16:creationId xmlns:a16="http://schemas.microsoft.com/office/drawing/2014/main" id="{0B8A7989-16FB-1312-5B72-DD98263CB2D6}"/>
               </a:ext>
             </a:extLst>
           </p:cNvPr>
@@ -696,7 +696,7 @@
           <p:cNvPr id="6" name="灯片编号占位符 5">
             <a:extLst>
               <a:ext uri="{FF2B5EF4-FFF2-40B4-BE49-F238E27FC236}">
-                <a16:creationId xmlns:a16="http://schemas.microsoft.com/office/drawing/2014/main" id="{E16A039A-5686-86B3-884E-BAD7CF12D811}"/>
+                <a16:creationId xmlns:a16="http://schemas.microsoft.com/office/drawing/2014/main" id="{B0BD1C9E-DFC9-B3F6-68F9-71B8E9CB8407}"/>
               </a:ext>
             </a:extLst>
           </p:cNvPr>
@@ -712,7 +712,7 @@
           <a:bodyPr/>
           <a:lstStyle/>
           <a:p>
-            <a:fld id="{92E40044-E8B1-4E55-8CE1-38DDD8063529}" type="slidenum">
+            <a:fld id="{5FB30C00-1FEC-4A08-81AE-D8A6AE403A11}" type="slidenum">
               <a:rPr lang="zh-CN" altLang="en-US" smtClean="0"/>
               <a:t>‹#›</a:t>
             </a:fld>
@@ -723,7 +723,7 @@
     </p:spTree>
     <p:extLst>
       <p:ext uri="{BB962C8B-B14F-4D97-AF65-F5344CB8AC3E}">
-        <p14:creationId xmlns:p14="http://schemas.microsoft.com/office/powerpoint/2010/main" val="1380195207"/>
+        <p14:creationId xmlns:p14="http://schemas.microsoft.com/office/powerpoint/2010/main" val="344731892"/>
       </p:ext>
     </p:extLst>
   </p:cSld>
@@ -755,7 +755,7 @@
           <p:cNvPr id="2" name="标题 1">
             <a:extLst>
               <a:ext uri="{FF2B5EF4-FFF2-40B4-BE49-F238E27FC236}">
-                <a16:creationId xmlns:a16="http://schemas.microsoft.com/office/drawing/2014/main" id="{F34BCAB6-3C11-EF72-242A-DC1225572C61}"/>
+                <a16:creationId xmlns:a16="http://schemas.microsoft.com/office/drawing/2014/main" id="{CE199E00-7A13-4CCF-B671-5FC798AD76D9}"/>
               </a:ext>
             </a:extLst>
           </p:cNvPr>
@@ -783,7 +783,7 @@
           <p:cNvPr id="3" name="内容占位符 2">
             <a:extLst>
               <a:ext uri="{FF2B5EF4-FFF2-40B4-BE49-F238E27FC236}">
-                <a16:creationId xmlns:a16="http://schemas.microsoft.com/office/drawing/2014/main" id="{1C56D15F-E35C-68F9-7D6C-3A09B97EF617}"/>
+                <a16:creationId xmlns:a16="http://schemas.microsoft.com/office/drawing/2014/main" id="{D945F45F-0744-FCF9-B0DA-7CE9086ABDE9}"/>
               </a:ext>
             </a:extLst>
           </p:cNvPr>
@@ -840,7 +840,7 @@
           <p:cNvPr id="4" name="日期占位符 3">
             <a:extLst>
               <a:ext uri="{FF2B5EF4-FFF2-40B4-BE49-F238E27FC236}">
-                <a16:creationId xmlns:a16="http://schemas.microsoft.com/office/drawing/2014/main" id="{89B80EF1-F7B3-3027-8FEF-3F5CF2640EB5}"/>
+                <a16:creationId xmlns:a16="http://schemas.microsoft.com/office/drawing/2014/main" id="{D42CED6F-F1CF-952B-90C2-9CD0D48152D7}"/>
               </a:ext>
             </a:extLst>
           </p:cNvPr>
@@ -856,7 +856,7 @@
           <a:bodyPr/>
           <a:lstStyle/>
           <a:p>
-            <a:fld id="{3D982F92-818D-48AC-9A90-3276221F23E5}" type="datetimeFigureOut">
+            <a:fld id="{2B0B1DBD-CD81-4F94-9E4F-0C1163BE002C}" type="datetimeFigureOut">
               <a:rPr lang="zh-CN" altLang="en-US" smtClean="0"/>
               <a:t>2024/3/10</a:t>
             </a:fld>
@@ -869,7 +869,7 @@
           <p:cNvPr id="5" name="页脚占位符 4">
             <a:extLst>
               <a:ext uri="{FF2B5EF4-FFF2-40B4-BE49-F238E27FC236}">
-                <a16:creationId xmlns:a16="http://schemas.microsoft.com/office/drawing/2014/main" id="{5716003E-8084-381A-971A-1CF233C49D8B}"/>
+                <a16:creationId xmlns:a16="http://schemas.microsoft.com/office/drawing/2014/main" id="{7824D156-88F3-3D4E-8EB6-4085CFFA7408}"/>
               </a:ext>
             </a:extLst>
           </p:cNvPr>
@@ -894,7 +894,7 @@
           <p:cNvPr id="6" name="灯片编号占位符 5">
             <a:extLst>
               <a:ext uri="{FF2B5EF4-FFF2-40B4-BE49-F238E27FC236}">
-                <a16:creationId xmlns:a16="http://schemas.microsoft.com/office/drawing/2014/main" id="{EA02860C-985F-741A-ACE6-4A99071A5460}"/>
+                <a16:creationId xmlns:a16="http://schemas.microsoft.com/office/drawing/2014/main" id="{126358BD-AB77-9842-6D04-4722A6A466E1}"/>
               </a:ext>
             </a:extLst>
           </p:cNvPr>
@@ -910,7 +910,7 @@
           <a:bodyPr/>
           <a:lstStyle/>
           <a:p>
-            <a:fld id="{92E40044-E8B1-4E55-8CE1-38DDD8063529}" type="slidenum">
+            <a:fld id="{5FB30C00-1FEC-4A08-81AE-D8A6AE403A11}" type="slidenum">
               <a:rPr lang="zh-CN" altLang="en-US" smtClean="0"/>
               <a:t>‹#›</a:t>
             </a:fld>
@@ -921,7 +921,7 @@
     </p:spTree>
     <p:extLst>
       <p:ext uri="{BB962C8B-B14F-4D97-AF65-F5344CB8AC3E}">
-        <p14:creationId xmlns:p14="http://schemas.microsoft.com/office/powerpoint/2010/main" val="3324764561"/>
+        <p14:creationId xmlns:p14="http://schemas.microsoft.com/office/powerpoint/2010/main" val="858516675"/>
       </p:ext>
     </p:extLst>
   </p:cSld>
@@ -953,7 +953,7 @@
           <p:cNvPr id="2" name="标题 1">
             <a:extLst>
               <a:ext uri="{FF2B5EF4-FFF2-40B4-BE49-F238E27FC236}">
-                <a16:creationId xmlns:a16="http://schemas.microsoft.com/office/drawing/2014/main" id="{25FCD1FA-C651-0718-EB15-C961836178BF}"/>
+                <a16:creationId xmlns:a16="http://schemas.microsoft.com/office/drawing/2014/main" id="{801980C9-C106-5374-EFB8-E321096F5849}"/>
               </a:ext>
             </a:extLst>
           </p:cNvPr>
@@ -990,7 +990,7 @@
           <p:cNvPr id="3" name="文本占位符 2">
             <a:extLst>
               <a:ext uri="{FF2B5EF4-FFF2-40B4-BE49-F238E27FC236}">
-                <a16:creationId xmlns:a16="http://schemas.microsoft.com/office/drawing/2014/main" id="{4B05284C-5014-E9C5-4A42-B563A92D45AB}"/>
+                <a16:creationId xmlns:a16="http://schemas.microsoft.com/office/drawing/2014/main" id="{66A5324C-2234-A339-AA60-84F032E0317F}"/>
               </a:ext>
             </a:extLst>
           </p:cNvPr>
@@ -1115,7 +1115,7 @@
           <p:cNvPr id="4" name="日期占位符 3">
             <a:extLst>
               <a:ext uri="{FF2B5EF4-FFF2-40B4-BE49-F238E27FC236}">
-                <a16:creationId xmlns:a16="http://schemas.microsoft.com/office/drawing/2014/main" id="{D477E939-1D33-CC55-AB5A-1C466E05E9DC}"/>
+                <a16:creationId xmlns:a16="http://schemas.microsoft.com/office/drawing/2014/main" id="{919FD09A-BB68-DBE5-641C-48564B77893E}"/>
               </a:ext>
             </a:extLst>
           </p:cNvPr>
@@ -1131,7 +1131,7 @@
           <a:bodyPr/>
           <a:lstStyle/>
           <a:p>
-            <a:fld id="{3D982F92-818D-48AC-9A90-3276221F23E5}" type="datetimeFigureOut">
+            <a:fld id="{2B0B1DBD-CD81-4F94-9E4F-0C1163BE002C}" type="datetimeFigureOut">
               <a:rPr lang="zh-CN" altLang="en-US" smtClean="0"/>
               <a:t>2024/3/10</a:t>
             </a:fld>
@@ -1144,7 +1144,7 @@
           <p:cNvPr id="5" name="页脚占位符 4">
             <a:extLst>
               <a:ext uri="{FF2B5EF4-FFF2-40B4-BE49-F238E27FC236}">
-                <a16:creationId xmlns:a16="http://schemas.microsoft.com/office/drawing/2014/main" id="{215AC43E-B3CE-2413-D396-E034A070A804}"/>
+                <a16:creationId xmlns:a16="http://schemas.microsoft.com/office/drawing/2014/main" id="{1CD2167A-4176-4E2E-48F9-98CD560D3731}"/>
               </a:ext>
             </a:extLst>
           </p:cNvPr>
@@ -1169,7 +1169,7 @@
           <p:cNvPr id="6" name="灯片编号占位符 5">
             <a:extLst>
               <a:ext uri="{FF2B5EF4-FFF2-40B4-BE49-F238E27FC236}">
-                <a16:creationId xmlns:a16="http://schemas.microsoft.com/office/drawing/2014/main" id="{EE038C66-A4CD-1E41-00E7-442AD7C148F6}"/>
+                <a16:creationId xmlns:a16="http://schemas.microsoft.com/office/drawing/2014/main" id="{8CD998FC-4C0A-093A-0F38-FCA174C8934A}"/>
               </a:ext>
             </a:extLst>
           </p:cNvPr>
@@ -1185,7 +1185,7 @@
           <a:bodyPr/>
           <a:lstStyle/>
           <a:p>
-            <a:fld id="{92E40044-E8B1-4E55-8CE1-38DDD8063529}" type="slidenum">
+            <a:fld id="{5FB30C00-1FEC-4A08-81AE-D8A6AE403A11}" type="slidenum">
               <a:rPr lang="zh-CN" altLang="en-US" smtClean="0"/>
               <a:t>‹#›</a:t>
             </a:fld>
@@ -1196,7 +1196,7 @@
     </p:spTree>
     <p:extLst>
       <p:ext uri="{BB962C8B-B14F-4D97-AF65-F5344CB8AC3E}">
-        <p14:creationId xmlns:p14="http://schemas.microsoft.com/office/powerpoint/2010/main" val="3000806678"/>
+        <p14:creationId xmlns:p14="http://schemas.microsoft.com/office/powerpoint/2010/main" val="971079158"/>
       </p:ext>
     </p:extLst>
   </p:cSld>
@@ -1228,7 +1228,7 @@
           <p:cNvPr id="2" name="标题 1">
             <a:extLst>
               <a:ext uri="{FF2B5EF4-FFF2-40B4-BE49-F238E27FC236}">
-                <a16:creationId xmlns:a16="http://schemas.microsoft.com/office/drawing/2014/main" id="{2394A935-6957-26E5-90A4-C21D6B42B26C}"/>
+                <a16:creationId xmlns:a16="http://schemas.microsoft.com/office/drawing/2014/main" id="{B842730D-32C2-C7B6-D610-05B24BBFE241}"/>
               </a:ext>
             </a:extLst>
           </p:cNvPr>
@@ -1256,7 +1256,7 @@
           <p:cNvPr id="3" name="内容占位符 2">
             <a:extLst>
               <a:ext uri="{FF2B5EF4-FFF2-40B4-BE49-F238E27FC236}">
-                <a16:creationId xmlns:a16="http://schemas.microsoft.com/office/drawing/2014/main" id="{A32469D8-4C94-6DDB-ECBC-AB331251D695}"/>
+                <a16:creationId xmlns:a16="http://schemas.microsoft.com/office/drawing/2014/main" id="{19E7153E-CD5D-1458-E031-F20442C5E312}"/>
               </a:ext>
             </a:extLst>
           </p:cNvPr>
@@ -1318,7 +1318,7 @@
           <p:cNvPr id="4" name="内容占位符 3">
             <a:extLst>
               <a:ext uri="{FF2B5EF4-FFF2-40B4-BE49-F238E27FC236}">
-                <a16:creationId xmlns:a16="http://schemas.microsoft.com/office/drawing/2014/main" id="{C42DB39C-4617-31FB-2FEA-273001740BAD}"/>
+                <a16:creationId xmlns:a16="http://schemas.microsoft.com/office/drawing/2014/main" id="{BDD70C4C-755F-A01E-AE3C-199E6D2E1FDC}"/>
               </a:ext>
             </a:extLst>
           </p:cNvPr>
@@ -1380,7 +1380,7 @@
           <p:cNvPr id="5" name="日期占位符 4">
             <a:extLst>
               <a:ext uri="{FF2B5EF4-FFF2-40B4-BE49-F238E27FC236}">
-                <a16:creationId xmlns:a16="http://schemas.microsoft.com/office/drawing/2014/main" id="{34983D01-5C91-18AF-50FF-4900ACA6CBDA}"/>
+                <a16:creationId xmlns:a16="http://schemas.microsoft.com/office/drawing/2014/main" id="{2506888F-4F34-A763-39F8-759FEA6A1959}"/>
               </a:ext>
             </a:extLst>
           </p:cNvPr>
@@ -1396,7 +1396,7 @@
           <a:bodyPr/>
           <a:lstStyle/>
           <a:p>
-            <a:fld id="{3D982F92-818D-48AC-9A90-3276221F23E5}" type="datetimeFigureOut">
+            <a:fld id="{2B0B1DBD-CD81-4F94-9E4F-0C1163BE002C}" type="datetimeFigureOut">
               <a:rPr lang="zh-CN" altLang="en-US" smtClean="0"/>
               <a:t>2024/3/10</a:t>
             </a:fld>
@@ -1409,7 +1409,7 @@
           <p:cNvPr id="6" name="页脚占位符 5">
             <a:extLst>
               <a:ext uri="{FF2B5EF4-FFF2-40B4-BE49-F238E27FC236}">
-                <a16:creationId xmlns:a16="http://schemas.microsoft.com/office/drawing/2014/main" id="{EF583D36-C8D3-D41A-E7FF-A77E8EA88F64}"/>
+                <a16:creationId xmlns:a16="http://schemas.microsoft.com/office/drawing/2014/main" id="{11B7C916-783C-2B27-A843-A4DFEF41B311}"/>
               </a:ext>
             </a:extLst>
           </p:cNvPr>
@@ -1434,7 +1434,7 @@
           <p:cNvPr id="7" name="灯片编号占位符 6">
             <a:extLst>
               <a:ext uri="{FF2B5EF4-FFF2-40B4-BE49-F238E27FC236}">
-                <a16:creationId xmlns:a16="http://schemas.microsoft.com/office/drawing/2014/main" id="{C254C67A-B286-1EDA-D813-05131170DFDC}"/>
+                <a16:creationId xmlns:a16="http://schemas.microsoft.com/office/drawing/2014/main" id="{EE32C4BB-0A58-2147-37CD-C4D6A8F8D327}"/>
               </a:ext>
             </a:extLst>
           </p:cNvPr>
@@ -1450,7 +1450,7 @@
           <a:bodyPr/>
           <a:lstStyle/>
           <a:p>
-            <a:fld id="{92E40044-E8B1-4E55-8CE1-38DDD8063529}" type="slidenum">
+            <a:fld id="{5FB30C00-1FEC-4A08-81AE-D8A6AE403A11}" type="slidenum">
               <a:rPr lang="zh-CN" altLang="en-US" smtClean="0"/>
               <a:t>‹#›</a:t>
             </a:fld>
@@ -1461,7 +1461,7 @@
     </p:spTree>
     <p:extLst>
       <p:ext uri="{BB962C8B-B14F-4D97-AF65-F5344CB8AC3E}">
-        <p14:creationId xmlns:p14="http://schemas.microsoft.com/office/powerpoint/2010/main" val="1366705652"/>
+        <p14:creationId xmlns:p14="http://schemas.microsoft.com/office/powerpoint/2010/main" val="419243179"/>
       </p:ext>
     </p:extLst>
   </p:cSld>
@@ -1493,7 +1493,7 @@
           <p:cNvPr id="2" name="标题 1">
             <a:extLst>
               <a:ext uri="{FF2B5EF4-FFF2-40B4-BE49-F238E27FC236}">
-                <a16:creationId xmlns:a16="http://schemas.microsoft.com/office/drawing/2014/main" id="{51816377-9701-AC59-53F5-587E6A5A700A}"/>
+                <a16:creationId xmlns:a16="http://schemas.microsoft.com/office/drawing/2014/main" id="{6F34B8D7-A546-EE42-08FE-DEEFE1F1C875}"/>
               </a:ext>
             </a:extLst>
           </p:cNvPr>
@@ -1526,7 +1526,7 @@
           <p:cNvPr id="3" name="文本占位符 2">
             <a:extLst>
               <a:ext uri="{FF2B5EF4-FFF2-40B4-BE49-F238E27FC236}">
-                <a16:creationId xmlns:a16="http://schemas.microsoft.com/office/drawing/2014/main" id="{E08E1A4B-04D2-1D48-32FC-47C0EED81A18}"/>
+                <a16:creationId xmlns:a16="http://schemas.microsoft.com/office/drawing/2014/main" id="{19215F19-D44D-3D6D-ABBE-2B717A0575FE}"/>
               </a:ext>
             </a:extLst>
           </p:cNvPr>
@@ -1597,7 +1597,7 @@
           <p:cNvPr id="4" name="内容占位符 3">
             <a:extLst>
               <a:ext uri="{FF2B5EF4-FFF2-40B4-BE49-F238E27FC236}">
-                <a16:creationId xmlns:a16="http://schemas.microsoft.com/office/drawing/2014/main" id="{8C16D72E-6564-F9BD-2A59-D2507CDDF4A0}"/>
+                <a16:creationId xmlns:a16="http://schemas.microsoft.com/office/drawing/2014/main" id="{55E5B0F4-4F15-7AA7-112A-EFFE685ABA9C}"/>
               </a:ext>
             </a:extLst>
           </p:cNvPr>
@@ -1659,7 +1659,7 @@
           <p:cNvPr id="5" name="文本占位符 4">
             <a:extLst>
               <a:ext uri="{FF2B5EF4-FFF2-40B4-BE49-F238E27FC236}">
-                <a16:creationId xmlns:a16="http://schemas.microsoft.com/office/drawing/2014/main" id="{DF82E265-2CF0-AEA2-5545-D721632688FF}"/>
+                <a16:creationId xmlns:a16="http://schemas.microsoft.com/office/drawing/2014/main" id="{DC3F0425-9000-B340-EF82-2DBAABF40B8A}"/>
               </a:ext>
             </a:extLst>
           </p:cNvPr>
@@ -1730,7 +1730,7 @@
           <p:cNvPr id="6" name="内容占位符 5">
             <a:extLst>
               <a:ext uri="{FF2B5EF4-FFF2-40B4-BE49-F238E27FC236}">
-                <a16:creationId xmlns:a16="http://schemas.microsoft.com/office/drawing/2014/main" id="{F9526A0B-3BD3-97A8-6640-F9052B266E96}"/>
+                <a16:creationId xmlns:a16="http://schemas.microsoft.com/office/drawing/2014/main" id="{FE832428-1FDD-17EC-9087-62D30FBF24E3}"/>
               </a:ext>
             </a:extLst>
           </p:cNvPr>
@@ -1792,7 +1792,7 @@
           <p:cNvPr id="7" name="日期占位符 6">
             <a:extLst>
               <a:ext uri="{FF2B5EF4-FFF2-40B4-BE49-F238E27FC236}">
-                <a16:creationId xmlns:a16="http://schemas.microsoft.com/office/drawing/2014/main" id="{0714926B-AC9A-D5A2-62C4-38AADB2EB3AE}"/>
+                <a16:creationId xmlns:a16="http://schemas.microsoft.com/office/drawing/2014/main" id="{C5741D29-0C14-8203-C22E-CF4414DFFDFF}"/>
               </a:ext>
             </a:extLst>
           </p:cNvPr>
@@ -1808,7 +1808,7 @@
           <a:bodyPr/>
           <a:lstStyle/>
           <a:p>
-            <a:fld id="{3D982F92-818D-48AC-9A90-3276221F23E5}" type="datetimeFigureOut">
+            <a:fld id="{2B0B1DBD-CD81-4F94-9E4F-0C1163BE002C}" type="datetimeFigureOut">
               <a:rPr lang="zh-CN" altLang="en-US" smtClean="0"/>
               <a:t>2024/3/10</a:t>
             </a:fld>
@@ -1821,7 +1821,7 @@
           <p:cNvPr id="8" name="页脚占位符 7">
             <a:extLst>
               <a:ext uri="{FF2B5EF4-FFF2-40B4-BE49-F238E27FC236}">
-                <a16:creationId xmlns:a16="http://schemas.microsoft.com/office/drawing/2014/main" id="{24A2AFE6-AE63-3B75-CF58-5139175C1F1D}"/>
+                <a16:creationId xmlns:a16="http://schemas.microsoft.com/office/drawing/2014/main" id="{FAB7F451-8032-495A-7272-2FADA15157FB}"/>
               </a:ext>
             </a:extLst>
           </p:cNvPr>
@@ -1846,7 +1846,7 @@
           <p:cNvPr id="9" name="灯片编号占位符 8">
             <a:extLst>
               <a:ext uri="{FF2B5EF4-FFF2-40B4-BE49-F238E27FC236}">
-                <a16:creationId xmlns:a16="http://schemas.microsoft.com/office/drawing/2014/main" id="{BF15CAFE-44B0-9698-A6E5-E4864592F42A}"/>
+                <a16:creationId xmlns:a16="http://schemas.microsoft.com/office/drawing/2014/main" id="{5D0101EA-F845-7CC3-3E86-EEFEBD405B74}"/>
               </a:ext>
             </a:extLst>
           </p:cNvPr>
@@ -1862,7 +1862,7 @@
           <a:bodyPr/>
           <a:lstStyle/>
           <a:p>
-            <a:fld id="{92E40044-E8B1-4E55-8CE1-38DDD8063529}" type="slidenum">
+            <a:fld id="{5FB30C00-1FEC-4A08-81AE-D8A6AE403A11}" type="slidenum">
               <a:rPr lang="zh-CN" altLang="en-US" smtClean="0"/>
               <a:t>‹#›</a:t>
             </a:fld>
@@ -1873,7 +1873,7 @@
     </p:spTree>
     <p:extLst>
       <p:ext uri="{BB962C8B-B14F-4D97-AF65-F5344CB8AC3E}">
-        <p14:creationId xmlns:p14="http://schemas.microsoft.com/office/powerpoint/2010/main" val="3749517958"/>
+        <p14:creationId xmlns:p14="http://schemas.microsoft.com/office/powerpoint/2010/main" val="1012356046"/>
       </p:ext>
     </p:extLst>
   </p:cSld>
@@ -1905,7 +1905,7 @@
           <p:cNvPr id="2" name="标题 1">
             <a:extLst>
               <a:ext uri="{FF2B5EF4-FFF2-40B4-BE49-F238E27FC236}">
-                <a16:creationId xmlns:a16="http://schemas.microsoft.com/office/drawing/2014/main" id="{32827996-5E2A-3548-4592-EBAD93BE72E9}"/>
+                <a16:creationId xmlns:a16="http://schemas.microsoft.com/office/drawing/2014/main" id="{652B44DF-6AE7-730F-8A62-557297DF584E}"/>
               </a:ext>
             </a:extLst>
           </p:cNvPr>
@@ -1933,7 +1933,7 @@
           <p:cNvPr id="3" name="日期占位符 2">
             <a:extLst>
               <a:ext uri="{FF2B5EF4-FFF2-40B4-BE49-F238E27FC236}">
-                <a16:creationId xmlns:a16="http://schemas.microsoft.com/office/drawing/2014/main" id="{5EDEAD47-E4C0-68BD-D1C4-BC2B75949A59}"/>
+                <a16:creationId xmlns:a16="http://schemas.microsoft.com/office/drawing/2014/main" id="{267DD503-B998-C243-A5C5-6790D7BACF43}"/>
               </a:ext>
             </a:extLst>
           </p:cNvPr>
@@ -1949,7 +1949,7 @@
           <a:bodyPr/>
           <a:lstStyle/>
           <a:p>
-            <a:fld id="{3D982F92-818D-48AC-9A90-3276221F23E5}" type="datetimeFigureOut">
+            <a:fld id="{2B0B1DBD-CD81-4F94-9E4F-0C1163BE002C}" type="datetimeFigureOut">
               <a:rPr lang="zh-CN" altLang="en-US" smtClean="0"/>
               <a:t>2024/3/10</a:t>
             </a:fld>
@@ -1962,7 +1962,7 @@
           <p:cNvPr id="4" name="页脚占位符 3">
             <a:extLst>
               <a:ext uri="{FF2B5EF4-FFF2-40B4-BE49-F238E27FC236}">
-                <a16:creationId xmlns:a16="http://schemas.microsoft.com/office/drawing/2014/main" id="{A0023EDC-5AFE-6C4D-9CB2-968CD2809932}"/>
+                <a16:creationId xmlns:a16="http://schemas.microsoft.com/office/drawing/2014/main" id="{FD57A901-B453-B97C-55B6-27F0EE488D58}"/>
               </a:ext>
             </a:extLst>
           </p:cNvPr>
@@ -1987,7 +1987,7 @@
           <p:cNvPr id="5" name="灯片编号占位符 4">
             <a:extLst>
               <a:ext uri="{FF2B5EF4-FFF2-40B4-BE49-F238E27FC236}">
-                <a16:creationId xmlns:a16="http://schemas.microsoft.com/office/drawing/2014/main" id="{B21BFE84-FB9D-3C9B-0497-71C0A9ACF474}"/>
+                <a16:creationId xmlns:a16="http://schemas.microsoft.com/office/drawing/2014/main" id="{C23C7439-5144-49AC-8A82-CE042B61AED7}"/>
               </a:ext>
             </a:extLst>
           </p:cNvPr>
@@ -2003,7 +2003,7 @@
           <a:bodyPr/>
           <a:lstStyle/>
           <a:p>
-            <a:fld id="{92E40044-E8B1-4E55-8CE1-38DDD8063529}" type="slidenum">
+            <a:fld id="{5FB30C00-1FEC-4A08-81AE-D8A6AE403A11}" type="slidenum">
               <a:rPr lang="zh-CN" altLang="en-US" smtClean="0"/>
               <a:t>‹#›</a:t>
             </a:fld>
@@ -2014,7 +2014,7 @@
     </p:spTree>
     <p:extLst>
       <p:ext uri="{BB962C8B-B14F-4D97-AF65-F5344CB8AC3E}">
-        <p14:creationId xmlns:p14="http://schemas.microsoft.com/office/powerpoint/2010/main" val="1002368806"/>
+        <p14:creationId xmlns:p14="http://schemas.microsoft.com/office/powerpoint/2010/main" val="1562197416"/>
       </p:ext>
     </p:extLst>
   </p:cSld>
@@ -2046,7 +2046,7 @@
           <p:cNvPr id="2" name="日期占位符 1">
             <a:extLst>
               <a:ext uri="{FF2B5EF4-FFF2-40B4-BE49-F238E27FC236}">
-                <a16:creationId xmlns:a16="http://schemas.microsoft.com/office/drawing/2014/main" id="{A0D015D0-3A98-07C2-72A5-F8EAC186147A}"/>
+                <a16:creationId xmlns:a16="http://schemas.microsoft.com/office/drawing/2014/main" id="{08D9E210-1E97-E1D6-EC61-F09AC035FE30}"/>
               </a:ext>
             </a:extLst>
           </p:cNvPr>
@@ -2062,7 +2062,7 @@
           <a:bodyPr/>
           <a:lstStyle/>
           <a:p>
-            <a:fld id="{3D982F92-818D-48AC-9A90-3276221F23E5}" type="datetimeFigureOut">
+            <a:fld id="{2B0B1DBD-CD81-4F94-9E4F-0C1163BE002C}" type="datetimeFigureOut">
               <a:rPr lang="zh-CN" altLang="en-US" smtClean="0"/>
               <a:t>2024/3/10</a:t>
             </a:fld>
@@ -2075,7 +2075,7 @@
           <p:cNvPr id="3" name="页脚占位符 2">
             <a:extLst>
               <a:ext uri="{FF2B5EF4-FFF2-40B4-BE49-F238E27FC236}">
-                <a16:creationId xmlns:a16="http://schemas.microsoft.com/office/drawing/2014/main" id="{0284C338-7BCD-FA66-84AB-CBA97F587897}"/>
+                <a16:creationId xmlns:a16="http://schemas.microsoft.com/office/drawing/2014/main" id="{AED3EE73-8DA2-E5BF-DB62-E1FEC702B3BB}"/>
               </a:ext>
             </a:extLst>
           </p:cNvPr>
@@ -2100,7 +2100,7 @@
           <p:cNvPr id="4" name="灯片编号占位符 3">
             <a:extLst>
               <a:ext uri="{FF2B5EF4-FFF2-40B4-BE49-F238E27FC236}">
-                <a16:creationId xmlns:a16="http://schemas.microsoft.com/office/drawing/2014/main" id="{E69E947D-4643-3492-0928-422A289A75F1}"/>
+                <a16:creationId xmlns:a16="http://schemas.microsoft.com/office/drawing/2014/main" id="{3479B33F-0792-175E-076E-AE394B85CF74}"/>
               </a:ext>
             </a:extLst>
           </p:cNvPr>
@@ -2116,7 +2116,7 @@
           <a:bodyPr/>
           <a:lstStyle/>
           <a:p>
-            <a:fld id="{92E40044-E8B1-4E55-8CE1-38DDD8063529}" type="slidenum">
+            <a:fld id="{5FB30C00-1FEC-4A08-81AE-D8A6AE403A11}" type="slidenum">
               <a:rPr lang="zh-CN" altLang="en-US" smtClean="0"/>
               <a:t>‹#›</a:t>
             </a:fld>
@@ -2127,7 +2127,7 @@
     </p:spTree>
     <p:extLst>
       <p:ext uri="{BB962C8B-B14F-4D97-AF65-F5344CB8AC3E}">
-        <p14:creationId xmlns:p14="http://schemas.microsoft.com/office/powerpoint/2010/main" val="1308132940"/>
+        <p14:creationId xmlns:p14="http://schemas.microsoft.com/office/powerpoint/2010/main" val="2380014174"/>
       </p:ext>
     </p:extLst>
   </p:cSld>
@@ -2159,7 +2159,7 @@
           <p:cNvPr id="2" name="标题 1">
             <a:extLst>
               <a:ext uri="{FF2B5EF4-FFF2-40B4-BE49-F238E27FC236}">
-                <a16:creationId xmlns:a16="http://schemas.microsoft.com/office/drawing/2014/main" id="{22356BA9-6A4A-1424-49FF-57F265DC85E8}"/>
+                <a16:creationId xmlns:a16="http://schemas.microsoft.com/office/drawing/2014/main" id="{4B72E4EC-D174-46F4-A04A-C170660BBD56}"/>
               </a:ext>
             </a:extLst>
           </p:cNvPr>
@@ -2196,7 +2196,7 @@
           <p:cNvPr id="3" name="内容占位符 2">
             <a:extLst>
               <a:ext uri="{FF2B5EF4-FFF2-40B4-BE49-F238E27FC236}">
-                <a16:creationId xmlns:a16="http://schemas.microsoft.com/office/drawing/2014/main" id="{227A5221-FFCB-7A0D-AACE-7BF983735CAC}"/>
+                <a16:creationId xmlns:a16="http://schemas.microsoft.com/office/drawing/2014/main" id="{A3DAAD70-03ED-D0DE-C3A2-7666C6F20010}"/>
               </a:ext>
             </a:extLst>
           </p:cNvPr>
@@ -2286,7 +2286,7 @@
           <p:cNvPr id="4" name="文本占位符 3">
             <a:extLst>
               <a:ext uri="{FF2B5EF4-FFF2-40B4-BE49-F238E27FC236}">
-                <a16:creationId xmlns:a16="http://schemas.microsoft.com/office/drawing/2014/main" id="{BF441643-7684-32F2-4EAE-16ED79BD57B8}"/>
+                <a16:creationId xmlns:a16="http://schemas.microsoft.com/office/drawing/2014/main" id="{66625FF3-7376-8137-467C-DA062BCD631A}"/>
               </a:ext>
             </a:extLst>
           </p:cNvPr>
@@ -2357,7 +2357,7 @@
           <p:cNvPr id="5" name="日期占位符 4">
             <a:extLst>
               <a:ext uri="{FF2B5EF4-FFF2-40B4-BE49-F238E27FC236}">
-                <a16:creationId xmlns:a16="http://schemas.microsoft.com/office/drawing/2014/main" id="{EAAD619A-32C3-E005-7BBF-3DF03FF678C8}"/>
+                <a16:creationId xmlns:a16="http://schemas.microsoft.com/office/drawing/2014/main" id="{26011D40-CA2D-FEAB-270E-963F7C6B4D7F}"/>
               </a:ext>
             </a:extLst>
           </p:cNvPr>
@@ -2373,7 +2373,7 @@
           <a:bodyPr/>
           <a:lstStyle/>
           <a:p>
-            <a:fld id="{3D982F92-818D-48AC-9A90-3276221F23E5}" type="datetimeFigureOut">
+            <a:fld id="{2B0B1DBD-CD81-4F94-9E4F-0C1163BE002C}" type="datetimeFigureOut">
               <a:rPr lang="zh-CN" altLang="en-US" smtClean="0"/>
               <a:t>2024/3/10</a:t>
             </a:fld>
@@ -2386,7 +2386,7 @@
           <p:cNvPr id="6" name="页脚占位符 5">
             <a:extLst>
               <a:ext uri="{FF2B5EF4-FFF2-40B4-BE49-F238E27FC236}">
-                <a16:creationId xmlns:a16="http://schemas.microsoft.com/office/drawing/2014/main" id="{4BED9835-0F24-A8CC-0E96-F352D61DC4CB}"/>
+                <a16:creationId xmlns:a16="http://schemas.microsoft.com/office/drawing/2014/main" id="{E7C560EC-C93F-C023-E92D-AC7959AE215F}"/>
               </a:ext>
             </a:extLst>
           </p:cNvPr>
@@ -2411,7 +2411,7 @@
           <p:cNvPr id="7" name="灯片编号占位符 6">
             <a:extLst>
               <a:ext uri="{FF2B5EF4-FFF2-40B4-BE49-F238E27FC236}">
-                <a16:creationId xmlns:a16="http://schemas.microsoft.com/office/drawing/2014/main" id="{5A1293CC-EFBA-EBD0-6CC8-8261E2FB3C61}"/>
+                <a16:creationId xmlns:a16="http://schemas.microsoft.com/office/drawing/2014/main" id="{10803ED0-BE52-CB4B-7729-189C08A1DCFD}"/>
               </a:ext>
             </a:extLst>
           </p:cNvPr>
@@ -2427,7 +2427,7 @@
           <a:bodyPr/>
           <a:lstStyle/>
           <a:p>
-            <a:fld id="{92E40044-E8B1-4E55-8CE1-38DDD8063529}" type="slidenum">
+            <a:fld id="{5FB30C00-1FEC-4A08-81AE-D8A6AE403A11}" type="slidenum">
               <a:rPr lang="zh-CN" altLang="en-US" smtClean="0"/>
               <a:t>‹#›</a:t>
             </a:fld>
@@ -2438,7 +2438,7 @@
     </p:spTree>
     <p:extLst>
       <p:ext uri="{BB962C8B-B14F-4D97-AF65-F5344CB8AC3E}">
-        <p14:creationId xmlns:p14="http://schemas.microsoft.com/office/powerpoint/2010/main" val="3278537363"/>
+        <p14:creationId xmlns:p14="http://schemas.microsoft.com/office/powerpoint/2010/main" val="2829206030"/>
       </p:ext>
     </p:extLst>
   </p:cSld>
@@ -2470,7 +2470,7 @@
           <p:cNvPr id="2" name="标题 1">
             <a:extLst>
               <a:ext uri="{FF2B5EF4-FFF2-40B4-BE49-F238E27FC236}">
-                <a16:creationId xmlns:a16="http://schemas.microsoft.com/office/drawing/2014/main" id="{1D6C1300-2E3C-5B3F-1FA3-19837ACA21E2}"/>
+                <a16:creationId xmlns:a16="http://schemas.microsoft.com/office/drawing/2014/main" id="{4CD2EF1D-16AA-5A86-178C-E1B5AA14D04A}"/>
               </a:ext>
             </a:extLst>
           </p:cNvPr>
@@ -2507,7 +2507,7 @@
           <p:cNvPr id="3" name="图片占位符 2">
             <a:extLst>
               <a:ext uri="{FF2B5EF4-FFF2-40B4-BE49-F238E27FC236}">
-                <a16:creationId xmlns:a16="http://schemas.microsoft.com/office/drawing/2014/main" id="{5408C0BA-28F3-2E89-9437-AB7E221F7B0C}"/>
+                <a16:creationId xmlns:a16="http://schemas.microsoft.com/office/drawing/2014/main" id="{1C165963-C2A5-B88F-28FB-65EE72C23306}"/>
               </a:ext>
             </a:extLst>
           </p:cNvPr>
@@ -2574,7 +2574,7 @@
           <p:cNvPr id="4" name="文本占位符 3">
             <a:extLst>
               <a:ext uri="{FF2B5EF4-FFF2-40B4-BE49-F238E27FC236}">
-                <a16:creationId xmlns:a16="http://schemas.microsoft.com/office/drawing/2014/main" id="{6B80A5B3-4989-6EBD-1A5D-1796BA72301B}"/>
+                <a16:creationId xmlns:a16="http://schemas.microsoft.com/office/drawing/2014/main" id="{6038C601-A4C4-D3C4-0DA1-0688976023E6}"/>
               </a:ext>
             </a:extLst>
           </p:cNvPr>
@@ -2645,7 +2645,7 @@
           <p:cNvPr id="5" name="日期占位符 4">
             <a:extLst>
               <a:ext uri="{FF2B5EF4-FFF2-40B4-BE49-F238E27FC236}">
-                <a16:creationId xmlns:a16="http://schemas.microsoft.com/office/drawing/2014/main" id="{0601BD89-81EE-253D-D1E4-29F71147E71C}"/>
+                <a16:creationId xmlns:a16="http://schemas.microsoft.com/office/drawing/2014/main" id="{466A2E4E-56E3-EB75-EAD8-BD6D731DAC50}"/>
               </a:ext>
             </a:extLst>
           </p:cNvPr>
@@ -2661,7 +2661,7 @@
           <a:bodyPr/>
           <a:lstStyle/>
           <a:p>
-            <a:fld id="{3D982F92-818D-48AC-9A90-3276221F23E5}" type="datetimeFigureOut">
+            <a:fld id="{2B0B1DBD-CD81-4F94-9E4F-0C1163BE002C}" type="datetimeFigureOut">
               <a:rPr lang="zh-CN" altLang="en-US" smtClean="0"/>
               <a:t>2024/3/10</a:t>
             </a:fld>
@@ -2674,7 +2674,7 @@
           <p:cNvPr id="6" name="页脚占位符 5">
             <a:extLst>
               <a:ext uri="{FF2B5EF4-FFF2-40B4-BE49-F238E27FC236}">
-                <a16:creationId xmlns:a16="http://schemas.microsoft.com/office/drawing/2014/main" id="{F6BF9282-9F13-8F42-7CD4-DD457220F252}"/>
+                <a16:creationId xmlns:a16="http://schemas.microsoft.com/office/drawing/2014/main" id="{AE3F169A-60FC-1252-055B-D6225225BEA7}"/>
               </a:ext>
             </a:extLst>
           </p:cNvPr>
@@ -2699,7 +2699,7 @@
           <p:cNvPr id="7" name="灯片编号占位符 6">
             <a:extLst>
               <a:ext uri="{FF2B5EF4-FFF2-40B4-BE49-F238E27FC236}">
-                <a16:creationId xmlns:a16="http://schemas.microsoft.com/office/drawing/2014/main" id="{AEAEC486-FDFD-33A1-9C82-6C3BD8230056}"/>
+                <a16:creationId xmlns:a16="http://schemas.microsoft.com/office/drawing/2014/main" id="{E543E43F-54A6-97CD-B8FC-5A99881746F1}"/>
               </a:ext>
             </a:extLst>
           </p:cNvPr>
@@ -2715,7 +2715,7 @@
           <a:bodyPr/>
           <a:lstStyle/>
           <a:p>
-            <a:fld id="{92E40044-E8B1-4E55-8CE1-38DDD8063529}" type="slidenum">
+            <a:fld id="{5FB30C00-1FEC-4A08-81AE-D8A6AE403A11}" type="slidenum">
               <a:rPr lang="zh-CN" altLang="en-US" smtClean="0"/>
               <a:t>‹#›</a:t>
             </a:fld>
@@ -2726,7 +2726,7 @@
     </p:spTree>
     <p:extLst>
       <p:ext uri="{BB962C8B-B14F-4D97-AF65-F5344CB8AC3E}">
-        <p14:creationId xmlns:p14="http://schemas.microsoft.com/office/powerpoint/2010/main" val="1975357256"/>
+        <p14:creationId xmlns:p14="http://schemas.microsoft.com/office/powerpoint/2010/main" val="2465615424"/>
       </p:ext>
     </p:extLst>
   </p:cSld>
@@ -2763,7 +2763,7 @@
           <p:cNvPr id="2" name="标题占位符 1">
             <a:extLst>
               <a:ext uri="{FF2B5EF4-FFF2-40B4-BE49-F238E27FC236}">
-                <a16:creationId xmlns:a16="http://schemas.microsoft.com/office/drawing/2014/main" id="{B0556A55-EB03-04A8-9483-76452FD0C299}"/>
+                <a16:creationId xmlns:a16="http://schemas.microsoft.com/office/drawing/2014/main" id="{84AAD378-307C-6AEB-0114-6FDCE9ABB2E1}"/>
               </a:ext>
             </a:extLst>
           </p:cNvPr>
@@ -2801,7 +2801,7 @@
           <p:cNvPr id="3" name="文本占位符 2">
             <a:extLst>
               <a:ext uri="{FF2B5EF4-FFF2-40B4-BE49-F238E27FC236}">
-                <a16:creationId xmlns:a16="http://schemas.microsoft.com/office/drawing/2014/main" id="{7F0686EE-1A72-2291-F339-075D0C135722}"/>
+                <a16:creationId xmlns:a16="http://schemas.microsoft.com/office/drawing/2014/main" id="{10D20805-C29A-1A86-05AA-6B8C1ECAF1A2}"/>
               </a:ext>
             </a:extLst>
           </p:cNvPr>
@@ -2868,7 +2868,7 @@
           <p:cNvPr id="4" name="日期占位符 3">
             <a:extLst>
               <a:ext uri="{FF2B5EF4-FFF2-40B4-BE49-F238E27FC236}">
-                <a16:creationId xmlns:a16="http://schemas.microsoft.com/office/drawing/2014/main" id="{BCAF5530-AF14-E724-4AF5-80BDCC7B416E}"/>
+                <a16:creationId xmlns:a16="http://schemas.microsoft.com/office/drawing/2014/main" id="{CF97FF43-7F71-930C-04D8-9CD87E033190}"/>
               </a:ext>
             </a:extLst>
           </p:cNvPr>
@@ -2902,7 +2902,7 @@
             </a:lvl1pPr>
           </a:lstStyle>
           <a:p>
-            <a:fld id="{3D982F92-818D-48AC-9A90-3276221F23E5}" type="datetimeFigureOut">
+            <a:fld id="{2B0B1DBD-CD81-4F94-9E4F-0C1163BE002C}" type="datetimeFigureOut">
               <a:rPr lang="zh-CN" altLang="en-US" smtClean="0"/>
               <a:t>2024/3/10</a:t>
             </a:fld>
@@ -2915,7 +2915,7 @@
           <p:cNvPr id="5" name="页脚占位符 4">
             <a:extLst>
               <a:ext uri="{FF2B5EF4-FFF2-40B4-BE49-F238E27FC236}">
-                <a16:creationId xmlns:a16="http://schemas.microsoft.com/office/drawing/2014/main" id="{D6AE5648-9B08-ADE2-2D06-DC3141365A83}"/>
+                <a16:creationId xmlns:a16="http://schemas.microsoft.com/office/drawing/2014/main" id="{7F9AAE20-6C52-1CCD-D03D-84F56B098C8C}"/>
               </a:ext>
             </a:extLst>
           </p:cNvPr>
@@ -2958,7 +2958,7 @@
           <p:cNvPr id="6" name="灯片编号占位符 5">
             <a:extLst>
               <a:ext uri="{FF2B5EF4-FFF2-40B4-BE49-F238E27FC236}">
-                <a16:creationId xmlns:a16="http://schemas.microsoft.com/office/drawing/2014/main" id="{D90F6BB0-22B9-C152-DFEB-2143166752BD}"/>
+                <a16:creationId xmlns:a16="http://schemas.microsoft.com/office/drawing/2014/main" id="{58328724-B590-6CBB-D4B9-CEC2B6F09C34}"/>
               </a:ext>
             </a:extLst>
           </p:cNvPr>
@@ -2992,7 +2992,7 @@
             </a:lvl1pPr>
           </a:lstStyle>
           <a:p>
-            <a:fld id="{92E40044-E8B1-4E55-8CE1-38DDD8063529}" type="slidenum">
+            <a:fld id="{5FB30C00-1FEC-4A08-81AE-D8A6AE403A11}" type="slidenum">
               <a:rPr lang="zh-CN" altLang="en-US" smtClean="0"/>
               <a:t>‹#›</a:t>
             </a:fld>
@@ -3003,7 +3003,7 @@
     </p:spTree>
     <p:extLst>
       <p:ext uri="{BB962C8B-B14F-4D97-AF65-F5344CB8AC3E}">
-        <p14:creationId xmlns:p14="http://schemas.microsoft.com/office/powerpoint/2010/main" val="716162816"/>
+        <p14:creationId xmlns:p14="http://schemas.microsoft.com/office/powerpoint/2010/main" val="3097059325"/>
       </p:ext>
     </p:extLst>
   </p:cSld>
